--- a/Balogh Ádám István/Bináris keresés.pptx
+++ b/Balogh Ádám István/Bináris keresés.pptx
@@ -6,8 +6,8 @@
   </p:sldMasterIdLst>
   <p:sldIdLst>
     <p:sldId id="256" r:id="rId2"/>
-    <p:sldId id="263" r:id="rId3"/>
-    <p:sldId id="257" r:id="rId4"/>
+    <p:sldId id="257" r:id="rId3"/>
+    <p:sldId id="263" r:id="rId4"/>
     <p:sldId id="258" r:id="rId5"/>
     <p:sldId id="259" r:id="rId6"/>
     <p:sldId id="260" r:id="rId7"/>
@@ -113,7 +113,38 @@
       </a:defRPr>
     </a:lvl9pPr>
   </p:defaultTextStyle>
+  <p:extLst>
+    <p:ext uri="{EFAFB233-063F-42B5-8137-9DF3F51BA10A}">
+      <p15:sldGuideLst xmlns:p15="http://schemas.microsoft.com/office/powerpoint/2012/main"/>
+    </p:ext>
+  </p:extLst>
 </p:presentation>
+</file>
+
+<file path=ppt/commentAuthors.xml><?xml version="1.0" encoding="utf-8"?>
+<p:cmAuthorLst xmlns:a="http://schemas.openxmlformats.org/drawingml/2006/main" xmlns:r="http://schemas.openxmlformats.org/officeDocument/2006/relationships" xmlns:p="http://schemas.openxmlformats.org/presentationml/2006/main">
+  <p:cmAuthor id="1" name="Adam Balogh" initials="AB" lastIdx="1" clrIdx="0">
+    <p:extLst>
+      <p:ext uri="{19B8F6BF-5375-455C-9EA6-DF929625EA0E}">
+        <p15:presenceInfo xmlns:p15="http://schemas.microsoft.com/office/powerpoint/2012/main" userId="S-1-12-1-1850134376-1311423628-562841232-2062733248" providerId="AD"/>
+      </p:ext>
+    </p:extLst>
+  </p:cmAuthor>
+</p:cmAuthorLst>
+</file>
+
+<file path=ppt/comments/comment1.xml><?xml version="1.0" encoding="utf-8"?>
+<p:cmLst xmlns:a="http://schemas.openxmlformats.org/drawingml/2006/main" xmlns:r="http://schemas.openxmlformats.org/officeDocument/2006/relationships" xmlns:p="http://schemas.openxmlformats.org/presentationml/2006/main">
+  <p:cm authorId="1" dt="2023-11-17T14:02:45.826" idx="1">
+    <p:pos x="10" y="10"/>
+    <p:text>Az algoritmus, miután a két munkaváltozó értékét beállította az első, illetve az utolsó elem indexére  tömb középső értékétől indul, ellenőrzi, hogy az nagyobb vagy kisebb a keresett számnál.</p:text>
+    <p:extLst>
+      <p:ext uri="{C676402C-5697-4E1C-873F-D02D1690AC5C}">
+        <p15:threadingInfo xmlns:p15="http://schemas.microsoft.com/office/powerpoint/2012/main" timeZoneBias="-60"/>
+      </p:ext>
+    </p:extLst>
+  </p:cm>
+</p:cmLst>
 </file>
 
 <file path=ppt/slideLayouts/slideLayout1.xml><?xml version="1.0" encoding="utf-8"?>
@@ -5850,17 +5881,19 @@
         </p:nvSpPr>
         <p:spPr/>
         <p:txBody>
-          <a:bodyPr/>
-          <a:lstStyle/>
-          <a:p>
-            <a:r>
-              <a:rPr lang="hu-HU" b="1" dirty="0"/>
+          <a:bodyPr>
+            <a:normAutofit/>
+          </a:bodyPr>
+          <a:lstStyle/>
+          <a:p>
+            <a:r>
+              <a:rPr lang="hu-HU" sz="6000" b="1" dirty="0"/>
               <a:t>Bináris keresés</a:t>
             </a:r>
             <a:br>
-              <a:rPr lang="hu-HU" b="1" dirty="0"/>
+              <a:rPr lang="hu-HU" sz="6000" b="1" dirty="0"/>
             </a:br>
-            <a:endParaRPr lang="hu-HU" dirty="0"/>
+            <a:endParaRPr lang="hu-HU" sz="6000" dirty="0"/>
           </a:p>
         </p:txBody>
       </p:sp>
@@ -5882,11 +5915,13 @@
         </p:nvSpPr>
         <p:spPr/>
         <p:txBody>
-          <a:bodyPr/>
-          <a:lstStyle/>
-          <a:p>
-            <a:r>
-              <a:rPr lang="hu-HU" dirty="0"/>
+          <a:bodyPr>
+            <a:normAutofit/>
+          </a:bodyPr>
+          <a:lstStyle/>
+          <a:p>
+            <a:r>
+              <a:rPr lang="hu-HU" sz="3200" dirty="0"/>
               <a:t>Balogh Ádám</a:t>
             </a:r>
           </a:p>
@@ -5940,11 +5975,13 @@
         </p:nvSpPr>
         <p:spPr/>
         <p:txBody>
-          <a:bodyPr/>
-          <a:lstStyle/>
-          <a:p>
-            <a:r>
-              <a:rPr lang="hu-HU" dirty="0"/>
+          <a:bodyPr>
+            <a:normAutofit/>
+          </a:bodyPr>
+          <a:lstStyle/>
+          <a:p>
+            <a:r>
+              <a:rPr lang="hu-HU" sz="4800" dirty="0"/>
               <a:t>Köszönöm a figyelmet:)</a:t>
             </a:r>
           </a:p>
@@ -6010,7 +6047,7 @@
           <p:cNvPr id="2" name="Cím 1">
             <a:extLst>
               <a:ext uri="{FF2B5EF4-FFF2-40B4-BE49-F238E27FC236}">
-                <a16:creationId xmlns:a16="http://schemas.microsoft.com/office/drawing/2014/main" id="{908A6F96-91DE-43F5-BDBA-03FA23130157}"/>
+                <a16:creationId xmlns:a16="http://schemas.microsoft.com/office/drawing/2014/main" id="{2C458088-222D-47B8-B8E0-AC3137170303}"/>
               </a:ext>
             </a:extLst>
           </p:cNvPr>
@@ -6023,12 +6060,14 @@
         </p:nvSpPr>
         <p:spPr/>
         <p:txBody>
-          <a:bodyPr/>
+          <a:bodyPr>
+            <a:normAutofit/>
+          </a:bodyPr>
           <a:lstStyle/>
           <a:p>
             <a:r>
               <a:rPr lang="hu-HU" dirty="0"/>
-              <a:t>Algoritmus</a:t>
+              <a:t>Általános információk a bináris keresésről</a:t>
             </a:r>
           </a:p>
         </p:txBody>
@@ -6038,7 +6077,7 @@
           <p:cNvPr id="3" name="Tartalom helye 2">
             <a:extLst>
               <a:ext uri="{FF2B5EF4-FFF2-40B4-BE49-F238E27FC236}">
-                <a16:creationId xmlns:a16="http://schemas.microsoft.com/office/drawing/2014/main" id="{E876F008-C68C-4A77-8B27-1FD65EAA067E}"/>
+                <a16:creationId xmlns:a16="http://schemas.microsoft.com/office/drawing/2014/main" id="{F2C9D447-0CBA-405C-9FB9-DE09399350A4}"/>
               </a:ext>
             </a:extLst>
           </p:cNvPr>
@@ -6049,40 +6088,38 @@
             <p:ph idx="1"/>
           </p:nvPr>
         </p:nvSpPr>
-        <p:spPr>
-          <a:xfrm>
-            <a:off x="685801" y="2142067"/>
-            <a:ext cx="4546599" cy="3649133"/>
-          </a:xfrm>
-        </p:spPr>
-        <p:txBody>
-          <a:bodyPr/>
-          <a:lstStyle/>
-          <a:p>
-            <a:r>
-              <a:rPr lang="hu-HU" sz="2400" dirty="0"/>
-              <a:t>Megkönnyítik a problémák strukturált megközelítését</a:t>
-            </a:r>
-          </a:p>
-          <a:p>
-            <a:r>
-              <a:rPr lang="hu-HU" sz="2400" dirty="0"/>
-              <a:t>Hozzájárulnak a hatékony és célorientált kódoláshoz</a:t>
-            </a:r>
-          </a:p>
-          <a:p>
-            <a:r>
-              <a:rPr lang="hu-HU" sz="2400" dirty="0"/>
-              <a:t>Nap, mint nap alkalmazott eszközök a programozói munkában</a:t>
-            </a:r>
-            <a:endParaRPr lang="hu-HU" dirty="0"/>
+        <p:spPr/>
+        <p:txBody>
+          <a:bodyPr>
+            <a:normAutofit/>
+          </a:bodyPr>
+          <a:lstStyle/>
+          <a:p>
+            <a:r>
+              <a:rPr lang="hu-HU" sz="3200" dirty="0"/>
+              <a:t>Erősen optimalizált keresési eljárás</a:t>
+            </a:r>
+          </a:p>
+          <a:p>
+            <a:r>
+              <a:rPr lang="hu-HU" sz="3200" dirty="0"/>
+              <a:t>Csak rendezett adatsoron alkalmazható</a:t>
+            </a:r>
+            <a:r>
+              <a:rPr lang="hu-HU" sz="4000" dirty="0"/>
+              <a:t> </a:t>
+            </a:r>
+            <a:br>
+              <a:rPr lang="hu-HU" sz="3200" dirty="0"/>
+            </a:br>
+            <a:endParaRPr lang="hu-HU" sz="3200" dirty="0"/>
           </a:p>
         </p:txBody>
       </p:sp>
     </p:spTree>
     <p:extLst>
       <p:ext uri="{BB962C8B-B14F-4D97-AF65-F5344CB8AC3E}">
-        <p14:creationId xmlns:p14="http://schemas.microsoft.com/office/powerpoint/2010/main" val="3645785096"/>
+        <p14:creationId xmlns:p14="http://schemas.microsoft.com/office/powerpoint/2010/main" val="4232083522"/>
       </p:ext>
     </p:extLst>
   </p:cSld>
@@ -6114,7 +6151,7 @@
           <p:cNvPr id="2" name="Cím 1">
             <a:extLst>
               <a:ext uri="{FF2B5EF4-FFF2-40B4-BE49-F238E27FC236}">
-                <a16:creationId xmlns:a16="http://schemas.microsoft.com/office/drawing/2014/main" id="{2C458088-222D-47B8-B8E0-AC3137170303}"/>
+                <a16:creationId xmlns:a16="http://schemas.microsoft.com/office/drawing/2014/main" id="{908A6F96-91DE-43F5-BDBA-03FA23130157}"/>
               </a:ext>
             </a:extLst>
           </p:cNvPr>
@@ -6127,12 +6164,14 @@
         </p:nvSpPr>
         <p:spPr/>
         <p:txBody>
-          <a:bodyPr/>
-          <a:lstStyle/>
-          <a:p>
-            <a:r>
-              <a:rPr lang="hu-HU" dirty="0"/>
-              <a:t>Bináris keresés általános leírása</a:t>
+          <a:bodyPr>
+            <a:normAutofit/>
+          </a:bodyPr>
+          <a:lstStyle/>
+          <a:p>
+            <a:r>
+              <a:rPr lang="hu-HU" sz="4800" dirty="0"/>
+              <a:t>Algoritmus</a:t>
             </a:r>
           </a:p>
         </p:txBody>
@@ -6142,7 +6181,7 @@
           <p:cNvPr id="3" name="Tartalom helye 2">
             <a:extLst>
               <a:ext uri="{FF2B5EF4-FFF2-40B4-BE49-F238E27FC236}">
-                <a16:creationId xmlns:a16="http://schemas.microsoft.com/office/drawing/2014/main" id="{F2C9D447-0CBA-405C-9FB9-DE09399350A4}"/>
+                <a16:creationId xmlns:a16="http://schemas.microsoft.com/office/drawing/2014/main" id="{E876F008-C68C-4A77-8B27-1FD65EAA067E}"/>
               </a:ext>
             </a:extLst>
           </p:cNvPr>
@@ -6153,28 +6192,34 @@
             <p:ph idx="1"/>
           </p:nvPr>
         </p:nvSpPr>
-        <p:spPr/>
-        <p:txBody>
-          <a:bodyPr/>
-          <a:lstStyle/>
-          <a:p>
-            <a:r>
-              <a:rPr lang="hu-HU" sz="2400" dirty="0"/>
-              <a:t>Erősen optimalizált keresési eljárás</a:t>
-            </a:r>
-          </a:p>
-          <a:p>
-            <a:r>
-              <a:rPr lang="hu-HU" sz="2400" dirty="0"/>
-              <a:t>Csak rendezett adatsoron alkalmazható</a:t>
-            </a:r>
+        <p:spPr>
+          <a:xfrm>
+            <a:off x="685801" y="2142067"/>
+            <a:ext cx="10223499" cy="3649133"/>
+          </a:xfrm>
+        </p:spPr>
+        <p:txBody>
+          <a:bodyPr>
+            <a:normAutofit/>
+          </a:bodyPr>
+          <a:lstStyle/>
+          <a:p>
             <a:r>
               <a:rPr lang="hu-HU" sz="3200" dirty="0"/>
-              <a:t> </a:t>
-            </a:r>
-            <a:br>
-              <a:rPr lang="hu-HU" sz="2400" dirty="0"/>
-            </a:br>
+              <a:t>Megkönnyítik a problémák strukturált megközelítését</a:t>
+            </a:r>
+          </a:p>
+          <a:p>
+            <a:r>
+              <a:rPr lang="hu-HU" sz="3200" dirty="0"/>
+              <a:t>Hozzájárulnak a hatékony és célorientált kódoláshoz</a:t>
+            </a:r>
+          </a:p>
+          <a:p>
+            <a:r>
+              <a:rPr lang="hu-HU" sz="3200" dirty="0"/>
+              <a:t>Nap, mint nap alkalmazott eszközök a programozói munkában</a:t>
+            </a:r>
             <a:endParaRPr lang="hu-HU" sz="2400" dirty="0"/>
           </a:p>
         </p:txBody>
@@ -6182,7 +6227,7 @@
     </p:spTree>
     <p:extLst>
       <p:ext uri="{BB962C8B-B14F-4D97-AF65-F5344CB8AC3E}">
-        <p14:creationId xmlns:p14="http://schemas.microsoft.com/office/powerpoint/2010/main" val="4232083522"/>
+        <p14:creationId xmlns:p14="http://schemas.microsoft.com/office/powerpoint/2010/main" val="3645785096"/>
       </p:ext>
     </p:extLst>
   </p:cSld>
@@ -6227,11 +6272,13 @@
         </p:nvSpPr>
         <p:spPr/>
         <p:txBody>
-          <a:bodyPr/>
-          <a:lstStyle/>
-          <a:p>
-            <a:r>
-              <a:rPr lang="hu-HU" dirty="0"/>
+          <a:bodyPr>
+            <a:normAutofit/>
+          </a:bodyPr>
+          <a:lstStyle/>
+          <a:p>
+            <a:r>
+              <a:rPr lang="hu-HU" sz="4800" dirty="0"/>
               <a:t>Algoritmus működése</a:t>
             </a:r>
           </a:p>
@@ -6261,19 +6308,19 @@
           <a:lstStyle/>
           <a:p>
             <a:r>
-              <a:rPr lang="hu-HU" sz="2400" dirty="0"/>
+              <a:rPr lang="hu-HU" sz="3600" dirty="0"/>
               <a:t>Az adatsor elemeinek összehasonlítása a keresett elemmel</a:t>
             </a:r>
           </a:p>
           <a:p>
             <a:r>
-              <a:rPr lang="hu-HU" sz="2400" dirty="0"/>
+              <a:rPr lang="hu-HU" sz="3600" dirty="0"/>
               <a:t>A keresés megfelelő intervallumban folytatódik</a:t>
             </a:r>
           </a:p>
           <a:p>
             <a:r>
-              <a:rPr lang="hu-HU" sz="2400" dirty="0"/>
+              <a:rPr lang="hu-HU" sz="3600" dirty="0"/>
               <a:t>Az adott elemnél kisebb elemek halmaza</a:t>
             </a:r>
           </a:p>
@@ -6327,11 +6374,13 @@
         </p:nvSpPr>
         <p:spPr/>
         <p:txBody>
-          <a:bodyPr/>
-          <a:lstStyle/>
-          <a:p>
-            <a:r>
-              <a:rPr lang="hu-HU"/>
+          <a:bodyPr>
+            <a:normAutofit/>
+          </a:bodyPr>
+          <a:lstStyle/>
+          <a:p>
+            <a:r>
+              <a:rPr lang="hu-HU" sz="4800" dirty="0"/>
               <a:t>Algoritmus működése</a:t>
             </a:r>
           </a:p>
@@ -6361,22 +6410,22 @@
           <a:lstStyle/>
           <a:p>
             <a:r>
-              <a:rPr lang="hu-HU" sz="2400" dirty="0"/>
+              <a:rPr lang="hu-HU" sz="3600" dirty="0"/>
               <a:t>Az adott elemnél nagyobb elemek halmaza</a:t>
             </a:r>
           </a:p>
           <a:p>
             <a:r>
-              <a:rPr lang="hu-HU" sz="2400" dirty="0"/>
+              <a:rPr lang="hu-HU" sz="3600" dirty="0"/>
               <a:t>Finomításokkal a keresési intervallum szűkítése</a:t>
             </a:r>
           </a:p>
           <a:p>
             <a:r>
-              <a:rPr lang="nb-NO" sz="2400" dirty="0"/>
+              <a:rPr lang="nb-NO" sz="3600" dirty="0"/>
               <a:t>A keresett elem megtalálása a rendezett tömbben</a:t>
             </a:r>
-            <a:endParaRPr lang="hu-HU" sz="2400" dirty="0"/>
+            <a:endParaRPr lang="hu-HU" sz="3600" dirty="0"/>
           </a:p>
         </p:txBody>
       </p:sp>
@@ -6428,11 +6477,13 @@
         </p:nvSpPr>
         <p:spPr/>
         <p:txBody>
-          <a:bodyPr/>
-          <a:lstStyle/>
-          <a:p>
-            <a:r>
-              <a:rPr lang="hu-HU" dirty="0"/>
+          <a:bodyPr>
+            <a:normAutofit/>
+          </a:bodyPr>
+          <a:lstStyle/>
+          <a:p>
+            <a:r>
+              <a:rPr lang="hu-HU" sz="4400" dirty="0"/>
               <a:t>Algoritmus futási ideje</a:t>
             </a:r>
           </a:p>
@@ -6454,7 +6505,12 @@
             <p:ph idx="1"/>
           </p:nvPr>
         </p:nvSpPr>
-        <p:spPr/>
+        <p:spPr>
+          <a:xfrm>
+            <a:off x="203201" y="2065867"/>
+            <a:ext cx="4838699" cy="3649133"/>
+          </a:xfrm>
+        </p:spPr>
         <p:txBody>
           <a:bodyPr>
             <a:normAutofit/>
@@ -6462,18 +6518,54 @@
           <a:lstStyle/>
           <a:p>
             <a:r>
-              <a:rPr lang="hu-HU" sz="2400" dirty="0"/>
+              <a:rPr lang="hu-HU" sz="3600" dirty="0"/>
               <a:t>Logaritmikus időkomplexitás</a:t>
             </a:r>
           </a:p>
           <a:p>
             <a:r>
-              <a:rPr lang="hu-HU" sz="2400" dirty="0"/>
+              <a:rPr lang="hu-HU" sz="3600" dirty="0"/>
               <a:t>log(n) futási idő, ahol n a rendezett tömb elemeinek száma</a:t>
             </a:r>
           </a:p>
         </p:txBody>
       </p:sp>
+      <p:pic>
+        <p:nvPicPr>
+          <p:cNvPr id="5" name="Kép 4">
+            <a:extLst>
+              <a:ext uri="{FF2B5EF4-FFF2-40B4-BE49-F238E27FC236}">
+                <a16:creationId xmlns:a16="http://schemas.microsoft.com/office/drawing/2014/main" id="{8BF043E5-A378-4282-9C63-FE3F8D2E32F1}"/>
+              </a:ext>
+            </a:extLst>
+          </p:cNvPr>
+          <p:cNvPicPr>
+            <a:picLocks noChangeAspect="1"/>
+          </p:cNvPicPr>
+          <p:nvPr/>
+        </p:nvPicPr>
+        <p:blipFill>
+          <a:blip r:embed="rId2">
+            <a:extLst>
+              <a:ext uri="{28A0092B-C50C-407E-A947-70E740481C1C}">
+                <a14:useLocalDpi xmlns:a14="http://schemas.microsoft.com/office/drawing/2010/main" val="0"/>
+              </a:ext>
+            </a:extLst>
+          </a:blip>
+          <a:stretch>
+            <a:fillRect/>
+          </a:stretch>
+        </p:blipFill>
+        <p:spPr>
+          <a:xfrm>
+            <a:off x="5187000" y="2065867"/>
+            <a:ext cx="6801799" cy="4115374"/>
+          </a:xfrm>
+          <a:prstGeom prst="rect">
+            <a:avLst/>
+          </a:prstGeom>
+        </p:spPr>
+      </p:pic>
     </p:spTree>
     <p:extLst>
       <p:ext uri="{BB962C8B-B14F-4D97-AF65-F5344CB8AC3E}">
@@ -6522,11 +6614,13 @@
         </p:nvSpPr>
         <p:spPr/>
         <p:txBody>
-          <a:bodyPr/>
-          <a:lstStyle/>
-          <a:p>
-            <a:r>
-              <a:rPr lang="hu-HU"/>
+          <a:bodyPr>
+            <a:normAutofit/>
+          </a:bodyPr>
+          <a:lstStyle/>
+          <a:p>
+            <a:r>
+              <a:rPr lang="hu-HU" sz="4400" dirty="0"/>
               <a:t>Alternatív megnevezés</a:t>
             </a:r>
           </a:p>
@@ -6548,25 +6642,68 @@
             <p:ph idx="1"/>
           </p:nvPr>
         </p:nvSpPr>
-        <p:spPr/>
-        <p:txBody>
-          <a:bodyPr/>
-          <a:lstStyle/>
-          <a:p>
-            <a:r>
-              <a:rPr lang="hu-HU" sz="2400" dirty="0"/>
+        <p:spPr>
+          <a:xfrm>
+            <a:off x="127001" y="2065867"/>
+            <a:ext cx="4694953" cy="3649133"/>
+          </a:xfrm>
+        </p:spPr>
+        <p:txBody>
+          <a:bodyPr>
+            <a:normAutofit/>
+          </a:bodyPr>
+          <a:lstStyle/>
+          <a:p>
+            <a:r>
+              <a:rPr lang="hu-HU" sz="3600" dirty="0"/>
               <a:t>Logaritmikus keresés</a:t>
             </a:r>
           </a:p>
           <a:p>
             <a:r>
-              <a:rPr lang="pt-BR" sz="2400" dirty="0"/>
+              <a:rPr lang="pt-BR" sz="3600" dirty="0"/>
               <a:t>Nevezetes log(n) futási idővel</a:t>
             </a:r>
-            <a:endParaRPr lang="hu-HU" dirty="0"/>
-          </a:p>
-        </p:txBody>
-      </p:sp>
+            <a:endParaRPr lang="hu-HU" sz="2800" dirty="0"/>
+          </a:p>
+        </p:txBody>
+      </p:sp>
+      <p:pic>
+        <p:nvPicPr>
+          <p:cNvPr id="5" name="Kép 4">
+            <a:extLst>
+              <a:ext uri="{FF2B5EF4-FFF2-40B4-BE49-F238E27FC236}">
+                <a16:creationId xmlns:a16="http://schemas.microsoft.com/office/drawing/2014/main" id="{676E6109-AF43-4F04-A65A-8F742ED220C7}"/>
+              </a:ext>
+            </a:extLst>
+          </p:cNvPr>
+          <p:cNvPicPr>
+            <a:picLocks noChangeAspect="1"/>
+          </p:cNvPicPr>
+          <p:nvPr/>
+        </p:nvPicPr>
+        <p:blipFill>
+          <a:blip r:embed="rId2">
+            <a:extLst>
+              <a:ext uri="{28A0092B-C50C-407E-A947-70E740481C1C}">
+                <a14:useLocalDpi xmlns:a14="http://schemas.microsoft.com/office/drawing/2010/main" val="0"/>
+              </a:ext>
+            </a:extLst>
+          </a:blip>
+          <a:stretch>
+            <a:fillRect/>
+          </a:stretch>
+        </p:blipFill>
+        <p:spPr>
+          <a:xfrm>
+            <a:off x="4821954" y="2442431"/>
+            <a:ext cx="6249272" cy="2896004"/>
+          </a:xfrm>
+          <a:prstGeom prst="rect">
+            <a:avLst/>
+          </a:prstGeom>
+        </p:spPr>
+      </p:pic>
     </p:spTree>
     <p:extLst>
       <p:ext uri="{BB962C8B-B14F-4D97-AF65-F5344CB8AC3E}">
@@ -6615,11 +6752,13 @@
         </p:nvSpPr>
         <p:spPr/>
         <p:txBody>
-          <a:bodyPr/>
-          <a:lstStyle/>
-          <a:p>
-            <a:r>
-              <a:rPr lang="hu-HU" dirty="0"/>
+          <a:bodyPr>
+            <a:normAutofit/>
+          </a:bodyPr>
+          <a:lstStyle/>
+          <a:p>
+            <a:r>
+              <a:rPr lang="hu-HU" sz="4000" dirty="0"/>
               <a:t>Implementáció C# nyelven:</a:t>
             </a:r>
           </a:p>
@@ -6641,39 +6780,80 @@
             <p:ph idx="1"/>
           </p:nvPr>
         </p:nvSpPr>
-        <p:spPr/>
+        <p:spPr>
+          <a:xfrm>
+            <a:off x="685801" y="1729341"/>
+            <a:ext cx="10131425" cy="3649133"/>
+          </a:xfrm>
+        </p:spPr>
         <p:txBody>
           <a:bodyPr/>
           <a:lstStyle/>
           <a:p>
             <a:r>
-              <a:rPr lang="hu-HU" sz="2400" dirty="0"/>
+              <a:rPr lang="hu-HU" sz="3600" dirty="0"/>
               <a:t>Nem igényel külön implementációt</a:t>
             </a:r>
           </a:p>
           <a:p>
             <a:r>
-              <a:rPr lang="hu-HU" sz="2400" dirty="0"/>
+              <a:rPr lang="hu-HU" sz="3600" dirty="0"/>
               <a:t>Beépítetten elérhető a C# </a:t>
             </a:r>
             <a:r>
-              <a:rPr lang="hu-HU" sz="2400" dirty="0" err="1"/>
+              <a:rPr lang="hu-HU" sz="3600" dirty="0" err="1"/>
               <a:t>Array</a:t>
             </a:r>
             <a:r>
-              <a:rPr lang="hu-HU" sz="2400" dirty="0"/>
+              <a:rPr lang="hu-HU" sz="3600" dirty="0"/>
               <a:t> osztályban és List osztályban</a:t>
             </a:r>
           </a:p>
           <a:p>
             <a:r>
-              <a:rPr lang="hu-HU" sz="2400" dirty="0"/>
+              <a:rPr lang="hu-HU" sz="3600" dirty="0"/>
               <a:t>Tartalmaz bináris keresést megvalósító metódust</a:t>
             </a:r>
             <a:endParaRPr lang="hu-HU" dirty="0"/>
           </a:p>
         </p:txBody>
       </p:sp>
+      <p:pic>
+        <p:nvPicPr>
+          <p:cNvPr id="5" name="Kép 4">
+            <a:extLst>
+              <a:ext uri="{FF2B5EF4-FFF2-40B4-BE49-F238E27FC236}">
+                <a16:creationId xmlns:a16="http://schemas.microsoft.com/office/drawing/2014/main" id="{9A1D8E82-762A-44DE-AC26-389A8542EB5B}"/>
+              </a:ext>
+            </a:extLst>
+          </p:cNvPr>
+          <p:cNvPicPr>
+            <a:picLocks noChangeAspect="1"/>
+          </p:cNvPicPr>
+          <p:nvPr/>
+        </p:nvPicPr>
+        <p:blipFill>
+          <a:blip r:embed="rId2">
+            <a:extLst>
+              <a:ext uri="{28A0092B-C50C-407E-A947-70E740481C1C}">
+                <a14:useLocalDpi xmlns:a14="http://schemas.microsoft.com/office/drawing/2010/main" val="0"/>
+              </a:ext>
+            </a:extLst>
+          </a:blip>
+          <a:stretch>
+            <a:fillRect/>
+          </a:stretch>
+        </p:blipFill>
+        <p:spPr>
+          <a:xfrm>
+            <a:off x="1054101" y="5121287"/>
+            <a:ext cx="7758472" cy="514374"/>
+          </a:xfrm>
+          <a:prstGeom prst="rect">
+            <a:avLst/>
+          </a:prstGeom>
+        </p:spPr>
+      </p:pic>
     </p:spTree>
     <p:extLst>
       <p:ext uri="{BB962C8B-B14F-4D97-AF65-F5344CB8AC3E}">
@@ -6722,11 +6902,13 @@
         </p:nvSpPr>
         <p:spPr/>
         <p:txBody>
-          <a:bodyPr/>
-          <a:lstStyle/>
-          <a:p>
-            <a:r>
-              <a:rPr lang="hu-HU" dirty="0"/>
+          <a:bodyPr>
+            <a:normAutofit/>
+          </a:bodyPr>
+          <a:lstStyle/>
+          <a:p>
+            <a:r>
+              <a:rPr lang="hu-HU" sz="4400" dirty="0"/>
               <a:t>Összefoglalás</a:t>
             </a:r>
           </a:p>
@@ -6756,13 +6938,13 @@
           <a:lstStyle/>
           <a:p>
             <a:r>
-              <a:rPr lang="hu-HU" sz="2400" dirty="0"/>
+              <a:rPr lang="hu-HU" sz="3200" dirty="0"/>
               <a:t>Hatékony és gyors keresési módszer</a:t>
             </a:r>
           </a:p>
           <a:p>
             <a:r>
-              <a:rPr lang="hu-HU" sz="2400" dirty="0"/>
+              <a:rPr lang="hu-HU" sz="3200" dirty="0"/>
               <a:t>Jól alkalmazható nagy méretű és rendezett adathalmazok esetén</a:t>
             </a:r>
           </a:p>
